--- a/presentation/presentation_v3.pptx
+++ b/presentation/presentation_v3.pptx
@@ -215,7 +215,7 @@
           <a:p>
             <a:fld id="{9534B502-9484-4C7D-A565-A04756873F56}" type="datetimeFigureOut">
               <a:rPr lang="en-CA" smtClean="0"/>
-              <a:t>30/03/2015</a:t>
+              <a:t>2015-03-30</a:t>
             </a:fld>
             <a:endParaRPr lang="en-CA"/>
           </a:p>
@@ -782,7 +782,7 @@
           <a:p>
             <a:fld id="{2182131B-BAAF-4B2B-8A4F-B06BB10C15CF}" type="datetime1">
               <a:rPr lang="en-CA" smtClean="0"/>
-              <a:t>30/03/2015</a:t>
+              <a:t>2015-03-30</a:t>
             </a:fld>
             <a:endParaRPr lang="en-CA"/>
           </a:p>
@@ -952,7 +952,7 @@
           <a:p>
             <a:fld id="{123DEC2D-9798-42B4-BDFF-FCFD5553714C}" type="datetime1">
               <a:rPr lang="en-CA" smtClean="0"/>
-              <a:t>30/03/2015</a:t>
+              <a:t>2015-03-30</a:t>
             </a:fld>
             <a:endParaRPr lang="en-CA"/>
           </a:p>
@@ -1132,7 +1132,7 @@
           <a:p>
             <a:fld id="{520BAB58-CD87-43B8-AC09-F2C9C0B73632}" type="datetime1">
               <a:rPr lang="en-CA" smtClean="0"/>
-              <a:t>30/03/2015</a:t>
+              <a:t>2015-03-30</a:t>
             </a:fld>
             <a:endParaRPr lang="en-CA"/>
           </a:p>
@@ -1302,7 +1302,7 @@
           <a:p>
             <a:fld id="{1FDF8AD5-4B4D-4FE4-8AE8-8F2A90CAC34F}" type="datetime1">
               <a:rPr lang="en-CA" smtClean="0"/>
-              <a:t>30/03/2015</a:t>
+              <a:t>2015-03-30</a:t>
             </a:fld>
             <a:endParaRPr lang="en-CA"/>
           </a:p>
@@ -1548,7 +1548,7 @@
           <a:p>
             <a:fld id="{DF6EFABC-611A-4129-82C2-B2D177651516}" type="datetime1">
               <a:rPr lang="en-CA" smtClean="0"/>
-              <a:t>30/03/2015</a:t>
+              <a:t>2015-03-30</a:t>
             </a:fld>
             <a:endParaRPr lang="en-CA"/>
           </a:p>
@@ -1780,7 +1780,7 @@
           <a:p>
             <a:fld id="{4A5BB27C-5629-435F-A99A-B22473F53FD9}" type="datetime1">
               <a:rPr lang="en-CA" smtClean="0"/>
-              <a:t>30/03/2015</a:t>
+              <a:t>2015-03-30</a:t>
             </a:fld>
             <a:endParaRPr lang="en-CA"/>
           </a:p>
@@ -2147,7 +2147,7 @@
           <a:p>
             <a:fld id="{41317674-DDD5-4324-8DAC-56615358B5F1}" type="datetime1">
               <a:rPr lang="en-CA" smtClean="0"/>
-              <a:t>30/03/2015</a:t>
+              <a:t>2015-03-30</a:t>
             </a:fld>
             <a:endParaRPr lang="en-CA"/>
           </a:p>
@@ -2265,7 +2265,7 @@
           <a:p>
             <a:fld id="{984C4FAD-6EDB-4BBC-91BB-BA784DD34295}" type="datetime1">
               <a:rPr lang="en-CA" smtClean="0"/>
-              <a:t>30/03/2015</a:t>
+              <a:t>2015-03-30</a:t>
             </a:fld>
             <a:endParaRPr lang="en-CA"/>
           </a:p>
@@ -2360,7 +2360,7 @@
           <a:p>
             <a:fld id="{CD42187F-519A-4845-A69D-DD6C20BA95C1}" type="datetime1">
               <a:rPr lang="en-CA" smtClean="0"/>
-              <a:t>30/03/2015</a:t>
+              <a:t>2015-03-30</a:t>
             </a:fld>
             <a:endParaRPr lang="en-CA"/>
           </a:p>
@@ -2637,7 +2637,7 @@
           <a:p>
             <a:fld id="{4434886D-3106-41C5-9579-6B4105F0AC77}" type="datetime1">
               <a:rPr lang="en-CA" smtClean="0"/>
-              <a:t>30/03/2015</a:t>
+              <a:t>2015-03-30</a:t>
             </a:fld>
             <a:endParaRPr lang="en-CA"/>
           </a:p>
@@ -2890,7 +2890,7 @@
           <a:p>
             <a:fld id="{AD265CCA-719A-4210-80D2-54ACDCD8B493}" type="datetime1">
               <a:rPr lang="en-CA" smtClean="0"/>
-              <a:t>30/03/2015</a:t>
+              <a:t>2015-03-30</a:t>
             </a:fld>
             <a:endParaRPr lang="en-CA"/>
           </a:p>
@@ -3103,7 +3103,7 @@
           <a:p>
             <a:fld id="{8275F350-9586-49F5-B1CB-9F278DE0D2B2}" type="datetime1">
               <a:rPr lang="en-CA" smtClean="0"/>
-              <a:t>30/03/2015</a:t>
+              <a:t>2015-03-30</a:t>
             </a:fld>
             <a:endParaRPr lang="en-CA"/>
           </a:p>
@@ -3930,21 +3930,7 @@
                 <a:latin typeface="Arial" panose="020B0604020202020204" pitchFamily="34" charset="0"/>
                 <a:cs typeface="Arial" panose="020B0604020202020204" pitchFamily="34" charset="0"/>
               </a:rPr>
-              <a:t>Unify different learning algorithms into free energy framework by imposing different </a:t>
-            </a:r>
-            <a:r>
-              <a:rPr lang="en-CA" sz="2600" dirty="0" smtClean="0">
-                <a:latin typeface="Arial" panose="020B0604020202020204" pitchFamily="34" charset="0"/>
-                <a:cs typeface="Arial" panose="020B0604020202020204" pitchFamily="34" charset="0"/>
-              </a:rPr>
-              <a:t>constraints </a:t>
-            </a:r>
-            <a:r>
-              <a:rPr lang="en-CA" sz="2600" dirty="0" smtClean="0">
-                <a:latin typeface="Arial" panose="020B0604020202020204" pitchFamily="34" charset="0"/>
-                <a:cs typeface="Arial" panose="020B0604020202020204" pitchFamily="34" charset="0"/>
-              </a:rPr>
-              <a:t>on Q distribution</a:t>
+              <a:t>Unify different learning algorithms into free energy framework by imposing different constraints on Q distribution</a:t>
             </a:r>
           </a:p>
           <a:p>
@@ -4724,10 +4710,6 @@
               </a:rPr>
               <a:t>Gaussian noise</a:t>
             </a:r>
-            <a:endParaRPr lang="en-CA" dirty="0">
-              <a:latin typeface="Arial" panose="020B0604020202020204" pitchFamily="34" charset="0"/>
-              <a:cs typeface="Arial" panose="020B0604020202020204" pitchFamily="34" charset="0"/>
-            </a:endParaRPr>
           </a:p>
         </p:txBody>
       </p:sp>
@@ -4759,10 +4741,6 @@
               </a:rPr>
               <a:t>combined image</a:t>
             </a:r>
-            <a:endParaRPr lang="en-CA" dirty="0">
-              <a:latin typeface="Arial" panose="020B0604020202020204" pitchFamily="34" charset="0"/>
-              <a:cs typeface="Arial" panose="020B0604020202020204" pitchFamily="34" charset="0"/>
-            </a:endParaRPr>
           </a:p>
         </p:txBody>
       </p:sp>
@@ -5191,14 +5169,7 @@
                 <a:latin typeface="Arial" panose="020B0604020202020204" pitchFamily="34" charset="0"/>
                 <a:cs typeface="Arial" panose="020B0604020202020204" pitchFamily="34" charset="0"/>
               </a:rPr>
-              <a:t>Place no constraint on Q </a:t>
-            </a:r>
-            <a:r>
-              <a:rPr lang="en-CA" sz="2400" dirty="0" smtClean="0">
-                <a:latin typeface="Arial" panose="020B0604020202020204" pitchFamily="34" charset="0"/>
-                <a:cs typeface="Arial" panose="020B0604020202020204" pitchFamily="34" charset="0"/>
-              </a:rPr>
-              <a:t>distribution</a:t>
+              <a:t>Place no constraint on Q distribution</a:t>
             </a:r>
             <a:endParaRPr lang="en-CA" sz="2400" dirty="0">
               <a:latin typeface="Arial" panose="020B0604020202020204" pitchFamily="34" charset="0"/>
@@ -5438,14 +5409,7 @@
                 <a:latin typeface="Arial" panose="020B0604020202020204" pitchFamily="34" charset="0"/>
                 <a:cs typeface="Arial" panose="020B0604020202020204" pitchFamily="34" charset="0"/>
               </a:rPr>
-              <a:t>Learning </a:t>
-            </a:r>
-            <a:r>
-              <a:rPr lang="en-CA" sz="4000" dirty="0" smtClean="0">
-                <a:latin typeface="Arial" panose="020B0604020202020204" pitchFamily="34" charset="0"/>
-                <a:cs typeface="Arial" panose="020B0604020202020204" pitchFamily="34" charset="0"/>
-              </a:rPr>
-              <a:t>(cont’d)</a:t>
+              <a:t>Learning (cont’d)</a:t>
             </a:r>
             <a:endParaRPr lang="en-CA" sz="4000" dirty="0"/>
           </a:p>
@@ -5610,7 +5574,12 @@
             <p:ph idx="1"/>
           </p:nvPr>
         </p:nvSpPr>
-        <p:spPr/>
+        <p:spPr>
+          <a:xfrm>
+            <a:off x="838200" y="1847850"/>
+            <a:ext cx="10515600" cy="4351338"/>
+          </a:xfrm>
+        </p:spPr>
         <p:txBody>
           <a:bodyPr>
             <a:normAutofit/>
@@ -5631,45 +5600,13 @@
               </a:rPr>
               <a:t>done</a:t>
             </a:r>
+          </a:p>
+          <a:p>
             <a:endParaRPr lang="en-CA" sz="2600" dirty="0" smtClean="0">
               <a:latin typeface="Arial" panose="020B0604020202020204" pitchFamily="34" charset="0"/>
               <a:cs typeface="Arial" panose="020B0604020202020204" pitchFamily="34" charset="0"/>
             </a:endParaRPr>
           </a:p>
-          <a:p>
-            <a:r>
-              <a:rPr lang="en-CA" sz="2600" dirty="0" smtClean="0">
-                <a:latin typeface="Arial" panose="020B0604020202020204" pitchFamily="34" charset="0"/>
-                <a:cs typeface="Arial" panose="020B0604020202020204" pitchFamily="34" charset="0"/>
-              </a:rPr>
-              <a:t>Working on </a:t>
-            </a:r>
-            <a:r>
-              <a:rPr lang="en-CA" sz="2600" dirty="0" err="1">
-                <a:latin typeface="Arial" panose="020B0604020202020204" pitchFamily="34" charset="0"/>
-                <a:cs typeface="Arial" panose="020B0604020202020204" pitchFamily="34" charset="0"/>
-              </a:rPr>
-              <a:t>Variational</a:t>
-            </a:r>
-            <a:r>
-              <a:rPr lang="en-CA" sz="2600" dirty="0">
-                <a:latin typeface="Arial" panose="020B0604020202020204" pitchFamily="34" charset="0"/>
-                <a:cs typeface="Arial" panose="020B0604020202020204" pitchFamily="34" charset="0"/>
-              </a:rPr>
-              <a:t> </a:t>
-            </a:r>
-            <a:r>
-              <a:rPr lang="en-CA" sz="2600" dirty="0" smtClean="0">
-                <a:latin typeface="Arial" panose="020B0604020202020204" pitchFamily="34" charset="0"/>
-                <a:cs typeface="Arial" panose="020B0604020202020204" pitchFamily="34" charset="0"/>
-              </a:rPr>
-              <a:t>EM</a:t>
-            </a:r>
-            <a:endParaRPr lang="en-CA" sz="2600" dirty="0">
-              <a:latin typeface="Arial" panose="020B0604020202020204" pitchFamily="34" charset="0"/>
-              <a:cs typeface="Arial" panose="020B0604020202020204" pitchFamily="34" charset="0"/>
-            </a:endParaRPr>
-          </a:p>
         </p:txBody>
       </p:sp>
       <p:sp>
@@ -5692,6 +5629,126 @@
               <a:t>8</a:t>
             </a:fld>
             <a:endParaRPr lang="en-CA"/>
+          </a:p>
+        </p:txBody>
+      </p:sp>
+      <p:pic>
+        <p:nvPicPr>
+          <p:cNvPr id="5" name="Picture 4" descr="EMResult.jpg"/>
+          <p:cNvPicPr>
+            <a:picLocks noChangeAspect="1"/>
+          </p:cNvPicPr>
+          <p:nvPr/>
+        </p:nvPicPr>
+        <p:blipFill>
+          <a:blip r:embed="rId2">
+            <a:extLst>
+              <a:ext uri="{28A0092B-C50C-407E-A947-70E740481C1C}">
+                <a14:useLocalDpi xmlns:a14="http://schemas.microsoft.com/office/drawing/2010/main" val="0"/>
+              </a:ext>
+            </a:extLst>
+          </a:blip>
+          <a:stretch>
+            <a:fillRect/>
+          </a:stretch>
+        </p:blipFill>
+        <p:spPr>
+          <a:xfrm>
+            <a:off x="8419191" y="262384"/>
+            <a:ext cx="1998930" cy="6021468"/>
+          </a:xfrm>
+          <a:prstGeom prst="rect">
+            <a:avLst/>
+          </a:prstGeom>
+        </p:spPr>
+      </p:pic>
+      <p:pic>
+        <p:nvPicPr>
+          <p:cNvPr id="6" name="Picture 5" descr="ICMResult.jpg"/>
+          <p:cNvPicPr>
+            <a:picLocks noChangeAspect="1"/>
+          </p:cNvPicPr>
+          <p:nvPr/>
+        </p:nvPicPr>
+        <p:blipFill>
+          <a:blip r:embed="rId3">
+            <a:extLst>
+              <a:ext uri="{28A0092B-C50C-407E-A947-70E740481C1C}">
+                <a14:useLocalDpi xmlns:a14="http://schemas.microsoft.com/office/drawing/2010/main" val="0"/>
+              </a:ext>
+            </a:extLst>
+          </a:blip>
+          <a:stretch>
+            <a:fillRect/>
+          </a:stretch>
+        </p:blipFill>
+        <p:spPr>
+          <a:xfrm>
+            <a:off x="5770144" y="262384"/>
+            <a:ext cx="1713368" cy="6021468"/>
+          </a:xfrm>
+          <a:prstGeom prst="rect">
+            <a:avLst/>
+          </a:prstGeom>
+        </p:spPr>
+      </p:pic>
+      <p:sp>
+        <p:nvSpPr>
+          <p:cNvPr id="7" name="TextBox 6"/>
+          <p:cNvSpPr txBox="1"/>
+          <p:nvPr/>
+        </p:nvSpPr>
+        <p:spPr>
+          <a:xfrm>
+            <a:off x="6267236" y="6342722"/>
+            <a:ext cx="562975" cy="369332"/>
+          </a:xfrm>
+          <a:prstGeom prst="rect">
+            <a:avLst/>
+          </a:prstGeom>
+          <a:noFill/>
+        </p:spPr>
+        <p:txBody>
+          <a:bodyPr wrap="none" rtlCol="0">
+            <a:spAutoFit/>
+          </a:bodyPr>
+          <a:lstStyle/>
+          <a:p>
+            <a:r>
+              <a:rPr lang="en-US" dirty="0" smtClean="0"/>
+              <a:t>ICM</a:t>
+            </a:r>
+            <a:endParaRPr lang="en-US" dirty="0"/>
+          </a:p>
+        </p:txBody>
+      </p:sp>
+      <p:sp>
+        <p:nvSpPr>
+          <p:cNvPr id="8" name="TextBox 7"/>
+          <p:cNvSpPr txBox="1"/>
+          <p:nvPr/>
+        </p:nvSpPr>
+        <p:spPr>
+          <a:xfrm>
+            <a:off x="8787847" y="6342722"/>
+            <a:ext cx="1039708" cy="369332"/>
+          </a:xfrm>
+          <a:prstGeom prst="rect">
+            <a:avLst/>
+          </a:prstGeom>
+          <a:noFill/>
+        </p:spPr>
+        <p:txBody>
+          <a:bodyPr wrap="none" rtlCol="0">
+            <a:spAutoFit/>
+          </a:bodyPr>
+          <a:lstStyle/>
+          <a:p>
+            <a:r>
+              <a:rPr lang="en-US" smtClean="0"/>
+              <a:t>Exact EM</a:t>
+            </a:r>
+            <a:endParaRPr lang="en-US" dirty="0"/>
           </a:p>
         </p:txBody>
       </p:sp>

--- a/presentation/presentation_v3.pptx
+++ b/presentation/presentation_v3.pptx
@@ -5591,14 +5591,30 @@
                 <a:latin typeface="Arial" panose="020B0604020202020204" pitchFamily="34" charset="0"/>
                 <a:cs typeface="Arial" panose="020B0604020202020204" pitchFamily="34" charset="0"/>
               </a:rPr>
-              <a:t>ICM and Exact EM </a:t>
-            </a:r>
-            <a:r>
-              <a:rPr lang="en-CA" sz="2600" dirty="0" smtClean="0">
-                <a:latin typeface="Arial" panose="020B0604020202020204" pitchFamily="34" charset="0"/>
-                <a:cs typeface="Arial" panose="020B0604020202020204" pitchFamily="34" charset="0"/>
-              </a:rPr>
-              <a:t>done</a:t>
+              <a:t>ICM and Exact EM done</a:t>
+            </a:r>
+          </a:p>
+          <a:p>
+            <a:r>
+              <a:rPr lang="en-CA" sz="2600" dirty="0">
+                <a:latin typeface="Arial" panose="020B0604020202020204" pitchFamily="34" charset="0"/>
+                <a:cs typeface="Arial" panose="020B0604020202020204" pitchFamily="34" charset="0"/>
+              </a:rPr>
+              <a:t>Working on </a:t>
+            </a:r>
+            <a:r>
+              <a:rPr lang="en-CA" sz="2600" dirty="0" err="1">
+                <a:latin typeface="Arial" panose="020B0604020202020204" pitchFamily="34" charset="0"/>
+                <a:cs typeface="Arial" panose="020B0604020202020204" pitchFamily="34" charset="0"/>
+              </a:rPr>
+              <a:t>Variational</a:t>
+            </a:r>
+            <a:r>
+              <a:rPr lang="en-CA" sz="2600" dirty="0">
+                <a:latin typeface="Arial" panose="020B0604020202020204" pitchFamily="34" charset="0"/>
+                <a:cs typeface="Arial" panose="020B0604020202020204" pitchFamily="34" charset="0"/>
+              </a:rPr>
+              <a:t> EM</a:t>
             </a:r>
           </a:p>
           <a:p>

--- a/presentation/presentation_v3.pptx
+++ b/presentation/presentation_v3.pptx
@@ -5,7 +5,7 @@
     <p:sldMasterId id="2147483648" r:id="rId1"/>
   </p:sldMasterIdLst>
   <p:notesMasterIdLst>
-    <p:notesMasterId r:id="rId10"/>
+    <p:notesMasterId r:id="rId9"/>
   </p:notesMasterIdLst>
   <p:sldIdLst>
     <p:sldId id="256" r:id="rId2"/>
@@ -13,9 +13,8 @@
     <p:sldId id="263" r:id="rId4"/>
     <p:sldId id="261" r:id="rId5"/>
     <p:sldId id="259" r:id="rId6"/>
-    <p:sldId id="262" r:id="rId7"/>
-    <p:sldId id="264" r:id="rId8"/>
-    <p:sldId id="260" r:id="rId9"/>
+    <p:sldId id="264" r:id="rId7"/>
+    <p:sldId id="260" r:id="rId8"/>
   </p:sldIdLst>
   <p:sldSz cx="12192000" cy="6858000"/>
   <p:notesSz cx="6858000" cy="9144000"/>
@@ -116,7 +115,7 @@
   </p:defaultTextStyle>
   <p:extLst>
     <p:ext uri="{EFAFB233-063F-42B5-8137-9DF3F51BA10A}">
-      <p15:sldGuideLst xmlns:p15="http://schemas.microsoft.com/office/powerpoint/2012/main">
+      <p15:sldGuideLst xmlns:p15="http://schemas.microsoft.com/office/powerpoint/2012/main" xmlns="">
         <p15:guide id="1" orient="horz" pos="2160">
           <p15:clr>
             <a:srgbClr val="A4A3A4"/>
@@ -215,7 +214,7 @@
           <a:p>
             <a:fld id="{9534B502-9484-4C7D-A565-A04756873F56}" type="datetimeFigureOut">
               <a:rPr lang="en-CA" smtClean="0"/>
-              <a:t>2015-03-30</a:t>
+              <a:t>3/30/15</a:t>
             </a:fld>
             <a:endParaRPr lang="en-CA"/>
           </a:p>
@@ -567,90 +566,6 @@
 </p:notes>
 </file>
 
-<file path=ppt/notesSlides/notesSlide2.xml><?xml version="1.0" encoding="utf-8"?>
-<p:notes xmlns:a="http://schemas.openxmlformats.org/drawingml/2006/main" xmlns:r="http://schemas.openxmlformats.org/officeDocument/2006/relationships" xmlns:p="http://schemas.openxmlformats.org/presentationml/2006/main">
-  <p:cSld>
-    <p:spTree>
-      <p:nvGrpSpPr>
-        <p:cNvPr id="1" name=""/>
-        <p:cNvGrpSpPr/>
-        <p:nvPr/>
-      </p:nvGrpSpPr>
-      <p:grpSpPr>
-        <a:xfrm>
-          <a:off x="0" y="0"/>
-          <a:ext cx="0" cy="0"/>
-          <a:chOff x="0" y="0"/>
-          <a:chExt cx="0" cy="0"/>
-        </a:xfrm>
-      </p:grpSpPr>
-      <p:sp>
-        <p:nvSpPr>
-          <p:cNvPr id="2" name="Slide Image Placeholder 1"/>
-          <p:cNvSpPr>
-            <a:spLocks noGrp="1" noRot="1" noChangeAspect="1"/>
-          </p:cNvSpPr>
-          <p:nvPr>
-            <p:ph type="sldImg"/>
-          </p:nvPr>
-        </p:nvSpPr>
-        <p:spPr/>
-      </p:sp>
-      <p:sp>
-        <p:nvSpPr>
-          <p:cNvPr id="3" name="Notes Placeholder 2"/>
-          <p:cNvSpPr>
-            <a:spLocks noGrp="1"/>
-          </p:cNvSpPr>
-          <p:nvPr>
-            <p:ph type="body" idx="1"/>
-          </p:nvPr>
-        </p:nvSpPr>
-        <p:spPr/>
-        <p:txBody>
-          <a:bodyPr/>
-          <a:lstStyle/>
-          <a:p>
-            <a:endParaRPr lang="en-CA"/>
-          </a:p>
-        </p:txBody>
-      </p:sp>
-      <p:sp>
-        <p:nvSpPr>
-          <p:cNvPr id="4" name="Slide Number Placeholder 3"/>
-          <p:cNvSpPr>
-            <a:spLocks noGrp="1"/>
-          </p:cNvSpPr>
-          <p:nvPr>
-            <p:ph type="sldNum" sz="quarter" idx="10"/>
-          </p:nvPr>
-        </p:nvSpPr>
-        <p:spPr/>
-        <p:txBody>
-          <a:bodyPr/>
-          <a:lstStyle/>
-          <a:p>
-            <a:fld id="{CAAFA51C-40A1-4320-90DB-D511D06DED2E}" type="slidenum">
-              <a:rPr lang="en-CA" smtClean="0"/>
-              <a:t>7</a:t>
-            </a:fld>
-            <a:endParaRPr lang="en-CA"/>
-          </a:p>
-        </p:txBody>
-      </p:sp>
-    </p:spTree>
-    <p:extLst>
-      <p:ext uri="{BB962C8B-B14F-4D97-AF65-F5344CB8AC3E}">
-        <p14:creationId xmlns:p14="http://schemas.microsoft.com/office/powerpoint/2010/main" val="220915474"/>
-      </p:ext>
-    </p:extLst>
-  </p:cSld>
-  <p:clrMapOvr>
-    <a:masterClrMapping/>
-  </p:clrMapOvr>
-</p:notes>
-</file>
-
 <file path=ppt/slideLayouts/slideLayout1.xml><?xml version="1.0" encoding="utf-8"?>
 <p:sldLayout xmlns:a="http://schemas.openxmlformats.org/drawingml/2006/main" xmlns:r="http://schemas.openxmlformats.org/officeDocument/2006/relationships" xmlns:p="http://schemas.openxmlformats.org/presentationml/2006/main" type="title" preserve="1">
   <p:cSld name="Title Slide">
@@ -782,7 +697,7 @@
           <a:p>
             <a:fld id="{2182131B-BAAF-4B2B-8A4F-B06BB10C15CF}" type="datetime1">
               <a:rPr lang="en-CA" smtClean="0"/>
-              <a:t>2015-03-30</a:t>
+              <a:t>3/30/15</a:t>
             </a:fld>
             <a:endParaRPr lang="en-CA"/>
           </a:p>
@@ -952,7 +867,7 @@
           <a:p>
             <a:fld id="{123DEC2D-9798-42B4-BDFF-FCFD5553714C}" type="datetime1">
               <a:rPr lang="en-CA" smtClean="0"/>
-              <a:t>2015-03-30</a:t>
+              <a:t>3/30/15</a:t>
             </a:fld>
             <a:endParaRPr lang="en-CA"/>
           </a:p>
@@ -1132,7 +1047,7 @@
           <a:p>
             <a:fld id="{520BAB58-CD87-43B8-AC09-F2C9C0B73632}" type="datetime1">
               <a:rPr lang="en-CA" smtClean="0"/>
-              <a:t>2015-03-30</a:t>
+              <a:t>3/30/15</a:t>
             </a:fld>
             <a:endParaRPr lang="en-CA"/>
           </a:p>
@@ -1302,7 +1217,7 @@
           <a:p>
             <a:fld id="{1FDF8AD5-4B4D-4FE4-8AE8-8F2A90CAC34F}" type="datetime1">
               <a:rPr lang="en-CA" smtClean="0"/>
-              <a:t>2015-03-30</a:t>
+              <a:t>3/30/15</a:t>
             </a:fld>
             <a:endParaRPr lang="en-CA"/>
           </a:p>
@@ -1548,7 +1463,7 @@
           <a:p>
             <a:fld id="{DF6EFABC-611A-4129-82C2-B2D177651516}" type="datetime1">
               <a:rPr lang="en-CA" smtClean="0"/>
-              <a:t>2015-03-30</a:t>
+              <a:t>3/30/15</a:t>
             </a:fld>
             <a:endParaRPr lang="en-CA"/>
           </a:p>
@@ -1780,7 +1695,7 @@
           <a:p>
             <a:fld id="{4A5BB27C-5629-435F-A99A-B22473F53FD9}" type="datetime1">
               <a:rPr lang="en-CA" smtClean="0"/>
-              <a:t>2015-03-30</a:t>
+              <a:t>3/30/15</a:t>
             </a:fld>
             <a:endParaRPr lang="en-CA"/>
           </a:p>
@@ -2147,7 +2062,7 @@
           <a:p>
             <a:fld id="{41317674-DDD5-4324-8DAC-56615358B5F1}" type="datetime1">
               <a:rPr lang="en-CA" smtClean="0"/>
-              <a:t>2015-03-30</a:t>
+              <a:t>3/30/15</a:t>
             </a:fld>
             <a:endParaRPr lang="en-CA"/>
           </a:p>
@@ -2265,7 +2180,7 @@
           <a:p>
             <a:fld id="{984C4FAD-6EDB-4BBC-91BB-BA784DD34295}" type="datetime1">
               <a:rPr lang="en-CA" smtClean="0"/>
-              <a:t>2015-03-30</a:t>
+              <a:t>3/30/15</a:t>
             </a:fld>
             <a:endParaRPr lang="en-CA"/>
           </a:p>
@@ -2360,7 +2275,7 @@
           <a:p>
             <a:fld id="{CD42187F-519A-4845-A69D-DD6C20BA95C1}" type="datetime1">
               <a:rPr lang="en-CA" smtClean="0"/>
-              <a:t>2015-03-30</a:t>
+              <a:t>3/30/15</a:t>
             </a:fld>
             <a:endParaRPr lang="en-CA"/>
           </a:p>
@@ -2637,7 +2552,7 @@
           <a:p>
             <a:fld id="{4434886D-3106-41C5-9579-6B4105F0AC77}" type="datetime1">
               <a:rPr lang="en-CA" smtClean="0"/>
-              <a:t>2015-03-30</a:t>
+              <a:t>3/30/15</a:t>
             </a:fld>
             <a:endParaRPr lang="en-CA"/>
           </a:p>
@@ -2890,7 +2805,7 @@
           <a:p>
             <a:fld id="{AD265CCA-719A-4210-80D2-54ACDCD8B493}" type="datetime1">
               <a:rPr lang="en-CA" smtClean="0"/>
-              <a:t>2015-03-30</a:t>
+              <a:t>3/30/15</a:t>
             </a:fld>
             <a:endParaRPr lang="en-CA"/>
           </a:p>
@@ -3103,7 +3018,7 @@
           <a:p>
             <a:fld id="{8275F350-9586-49F5-B1CB-9F278DE0D2B2}" type="datetime1">
               <a:rPr lang="en-CA" smtClean="0"/>
-              <a:t>2015-03-30</a:t>
+              <a:t>3/30/15</a:t>
             </a:fld>
             <a:endParaRPr lang="en-CA"/>
           </a:p>
@@ -3674,7 +3589,7 @@
   <p:timing>
     <p:tnLst>
       <p:par>
-        <p:cTn id="1" dur="indefinite" restart="never" nodeType="tmRoot"/>
+        <p:cTn xmlns:p14="http://schemas.microsoft.com/office/powerpoint/2010/main" id="1" dur="indefinite" restart="never" nodeType="tmRoot"/>
       </p:par>
     </p:tnLst>
   </p:timing>
@@ -3852,7 +3767,7 @@
   <p:timing>
     <p:tnLst>
       <p:par>
-        <p:cTn id="1" dur="indefinite" restart="never" nodeType="tmRoot"/>
+        <p:cTn xmlns:p14="http://schemas.microsoft.com/office/powerpoint/2010/main" id="1" dur="indefinite" restart="never" nodeType="tmRoot"/>
       </p:par>
     </p:tnLst>
   </p:timing>
@@ -4082,7 +3997,7 @@
   <p:timing>
     <p:tnLst>
       <p:par>
-        <p:cTn id="1" dur="indefinite" restart="never" nodeType="tmRoot"/>
+        <p:cTn xmlns:p14="http://schemas.microsoft.com/office/powerpoint/2010/main" id="1" dur="indefinite" restart="never" nodeType="tmRoot"/>
       </p:par>
     </p:tnLst>
   </p:timing>
@@ -4757,7 +4672,7 @@
   <p:timing>
     <p:tnLst>
       <p:par>
-        <p:cTn id="1" dur="indefinite" restart="never" nodeType="tmRoot"/>
+        <p:cTn xmlns:p14="http://schemas.microsoft.com/office/powerpoint/2010/main" id="1" dur="indefinite" restart="never" nodeType="tmRoot"/>
       </p:par>
     </p:tnLst>
   </p:timing>
@@ -4859,9 +4774,8 @@
             </a:r>
           </a:p>
           <a:p>
-            <a:pPr marL="355600" indent="-177800">
-              <a:buFont typeface="Arial" panose="020B0604020202020204" pitchFamily="34" charset="0"/>
-              <a:buChar char="-"/>
+            <a:pPr marL="177800" indent="0">
+              <a:buNone/>
             </a:pPr>
             <a:r>
               <a:rPr lang="en-CA" sz="2000" dirty="0" smtClean="0">
@@ -4872,11 +4786,10 @@
             </a:r>
           </a:p>
           <a:p>
-            <a:pPr marL="355600" indent="-177800">
-              <a:buFont typeface="Arial" panose="020B0604020202020204" pitchFamily="34" charset="0"/>
-              <a:buChar char="-"/>
+            <a:pPr marL="177800" indent="0">
+              <a:buNone/>
             </a:pPr>
-            <a:endParaRPr lang="en-CA" sz="2000" dirty="0" smtClean="0">
+            <a:endParaRPr lang="en-CA" sz="2000" dirty="0">
               <a:latin typeface="Arial" panose="020B0604020202020204" pitchFamily="34" charset="0"/>
               <a:cs typeface="Arial" panose="020B0604020202020204" pitchFamily="34" charset="0"/>
             </a:endParaRPr>
@@ -4885,119 +4798,30 @@
             <a:pPr marL="177800" indent="0">
               <a:buNone/>
             </a:pPr>
-            <a:r>
-              <a:rPr lang="en-CA" sz="2000" dirty="0" smtClean="0">
-                <a:latin typeface="Arial" panose="020B0604020202020204" pitchFamily="34" charset="0"/>
-                <a:cs typeface="Arial" panose="020B0604020202020204" pitchFamily="34" charset="0"/>
-              </a:rPr>
-              <a:t> </a:t>
-            </a:r>
-          </a:p>
-          <a:p>
-            <a:pPr marL="355600" indent="-177800">
-              <a:buFont typeface="Arial" panose="020B0604020202020204" pitchFamily="34" charset="0"/>
-              <a:buChar char="-"/>
-            </a:pPr>
-            <a:endParaRPr lang="en-CA" sz="2000" dirty="0" smtClean="0">
-              <a:latin typeface="Arial" panose="020B0604020202020204" pitchFamily="34" charset="0"/>
-              <a:cs typeface="Arial" panose="020B0604020202020204" pitchFamily="34" charset="0"/>
-            </a:endParaRPr>
-          </a:p>
-          <a:p>
-            <a:pPr marL="355600" indent="-177800">
-              <a:buFont typeface="Arial" panose="020B0604020202020204" pitchFamily="34" charset="0"/>
-              <a:buChar char="-"/>
-            </a:pPr>
-            <a:endParaRPr lang="en-CA" sz="2000" dirty="0" smtClean="0">
-              <a:latin typeface="Arial" panose="020B0604020202020204" pitchFamily="34" charset="0"/>
-              <a:cs typeface="Arial" panose="020B0604020202020204" pitchFamily="34" charset="0"/>
-            </a:endParaRPr>
-          </a:p>
-          <a:p>
-            <a:pPr marL="355600" indent="-177800">
-              <a:buFont typeface="Arial" panose="020B0604020202020204" pitchFamily="34" charset="0"/>
-              <a:buChar char="-"/>
-            </a:pPr>
-            <a:endParaRPr lang="en-CA" sz="2000" dirty="0" smtClean="0">
-              <a:latin typeface="Arial" panose="020B0604020202020204" pitchFamily="34" charset="0"/>
-              <a:cs typeface="Arial" panose="020B0604020202020204" pitchFamily="34" charset="0"/>
-            </a:endParaRPr>
-          </a:p>
-          <a:p>
-            <a:pPr marL="355600" indent="-177800">
-              <a:buFont typeface="Arial" panose="020B0604020202020204" pitchFamily="34" charset="0"/>
-              <a:buChar char="-"/>
-            </a:pPr>
-            <a:r>
-              <a:rPr lang="en-CA" sz="2000" dirty="0" smtClean="0">
-                <a:latin typeface="Arial" panose="020B0604020202020204" pitchFamily="34" charset="0"/>
-                <a:cs typeface="Arial" panose="020B0604020202020204" pitchFamily="34" charset="0"/>
-              </a:rPr>
-              <a:t>E-step: Fixing model parameters, update pixel label assignments</a:t>
-            </a:r>
-          </a:p>
-          <a:p>
-            <a:pPr marL="355600" indent="-177800">
-              <a:buFont typeface="Arial" panose="020B0604020202020204" pitchFamily="34" charset="0"/>
-              <a:buChar char="-"/>
-            </a:pPr>
-            <a:r>
-              <a:rPr lang="en-CA" sz="2000" dirty="0" smtClean="0">
-                <a:latin typeface="Arial" panose="020B0604020202020204" pitchFamily="34" charset="0"/>
-                <a:cs typeface="Arial" panose="020B0604020202020204" pitchFamily="34" charset="0"/>
-              </a:rPr>
-              <a:t>M-step: Based on the current pixel labels, update the model parameters </a:t>
-            </a:r>
-          </a:p>
-          <a:p>
-            <a:pPr marL="355600" indent="-177800">
-              <a:buFont typeface="Arial" panose="020B0604020202020204" pitchFamily="34" charset="0"/>
-              <a:buChar char="-"/>
-            </a:pPr>
-            <a:r>
-              <a:rPr lang="en-CA" sz="2000" dirty="0" smtClean="0">
-                <a:latin typeface="Arial" panose="020B0604020202020204" pitchFamily="34" charset="0"/>
-                <a:cs typeface="Arial" panose="020B0604020202020204" pitchFamily="34" charset="0"/>
-              </a:rPr>
-              <a:t>Easy to implement, but can get stuck at </a:t>
-            </a:r>
-            <a:r>
-              <a:rPr lang="en-CA" sz="2000" dirty="0">
-                <a:latin typeface="Arial" panose="020B0604020202020204" pitchFamily="34" charset="0"/>
-                <a:cs typeface="Arial" panose="020B0604020202020204" pitchFamily="34" charset="0"/>
-              </a:rPr>
-              <a:t>poor local minima</a:t>
-            </a:r>
-            <a:endParaRPr lang="en-CA" sz="2000" dirty="0" smtClean="0">
-              <a:latin typeface="Arial" panose="020B0604020202020204" pitchFamily="34" charset="0"/>
-              <a:cs typeface="Arial" panose="020B0604020202020204" pitchFamily="34" charset="0"/>
-            </a:endParaRPr>
-          </a:p>
-          <a:p>
-            <a:pPr marL="177800" indent="0">
-              <a:buNone/>
-            </a:pPr>
-            <a:endParaRPr lang="en-CA" sz="2000" dirty="0" smtClean="0">
-              <a:latin typeface="Arial" panose="020B0604020202020204" pitchFamily="34" charset="0"/>
-              <a:cs typeface="Arial" panose="020B0604020202020204" pitchFamily="34" charset="0"/>
-            </a:endParaRPr>
-          </a:p>
-          <a:p>
-            <a:pPr marL="177800" indent="0">
-              <a:buNone/>
-            </a:pPr>
-            <a:endParaRPr lang="en-CA" sz="2000" dirty="0" smtClean="0">
-              <a:latin typeface="Arial" panose="020B0604020202020204" pitchFamily="34" charset="0"/>
-              <a:cs typeface="Arial" panose="020B0604020202020204" pitchFamily="34" charset="0"/>
-            </a:endParaRPr>
-          </a:p>
-          <a:p>
             <a:endParaRPr lang="en-CA" sz="2200" dirty="0" smtClean="0">
               <a:latin typeface="Arial" panose="020B0604020202020204" pitchFamily="34" charset="0"/>
               <a:cs typeface="Arial" panose="020B0604020202020204" pitchFamily="34" charset="0"/>
             </a:endParaRPr>
           </a:p>
           <a:p>
+            <a:r>
+              <a:rPr lang="en-CA" dirty="0" smtClean="0"/>
+              <a:t>Exact EM</a:t>
+            </a:r>
+          </a:p>
+          <a:p>
+            <a:endParaRPr lang="en-CA" dirty="0"/>
+          </a:p>
+          <a:p>
+            <a:endParaRPr lang="en-CA" dirty="0" smtClean="0"/>
+          </a:p>
+          <a:p>
+            <a:r>
+              <a:rPr lang="en-CA" dirty="0" smtClean="0"/>
+              <a:t>Mean Field</a:t>
+            </a:r>
+          </a:p>
+          <a:p>
             <a:endParaRPr lang="en-CA" dirty="0"/>
           </a:p>
         </p:txBody>
@@ -5027,7 +4851,7 @@
       </p:sp>
       <p:pic>
         <p:nvPicPr>
-          <p:cNvPr id="4" name="Picture 3"/>
+          <p:cNvPr id="7" name="Picture 6" descr="Screen Shot 2015-03-30 at 23.21.47.png"/>
           <p:cNvPicPr>
             <a:picLocks noChangeAspect="1"/>
           </p:cNvPicPr>
@@ -5047,8 +4871,68 @@
         </p:blipFill>
         <p:spPr>
           <a:xfrm>
-            <a:off x="1360626" y="2340078"/>
-            <a:ext cx="5453130" cy="2161520"/>
+            <a:off x="1693279" y="2314634"/>
+            <a:ext cx="6302760" cy="1260552"/>
+          </a:xfrm>
+          <a:prstGeom prst="rect">
+            <a:avLst/>
+          </a:prstGeom>
+        </p:spPr>
+      </p:pic>
+      <p:pic>
+        <p:nvPicPr>
+          <p:cNvPr id="8" name="Picture 7" descr="Screen Shot 2015-03-30 at 23.21.28.png"/>
+          <p:cNvPicPr>
+            <a:picLocks noChangeAspect="1"/>
+          </p:cNvPicPr>
+          <p:nvPr/>
+        </p:nvPicPr>
+        <p:blipFill>
+          <a:blip r:embed="rId3">
+            <a:extLst>
+              <a:ext uri="{28A0092B-C50C-407E-A947-70E740481C1C}">
+                <a14:useLocalDpi xmlns:a14="http://schemas.microsoft.com/office/drawing/2010/main" val="0"/>
+              </a:ext>
+            </a:extLst>
+          </a:blip>
+          <a:stretch>
+            <a:fillRect/>
+          </a:stretch>
+        </p:blipFill>
+        <p:spPr>
+          <a:xfrm>
+            <a:off x="1881480" y="3989509"/>
+            <a:ext cx="5064099" cy="945777"/>
+          </a:xfrm>
+          <a:prstGeom prst="rect">
+            <a:avLst/>
+          </a:prstGeom>
+        </p:spPr>
+      </p:pic>
+      <p:pic>
+        <p:nvPicPr>
+          <p:cNvPr id="9" name="Picture 8" descr="Screen Shot 2015-03-30 at 23.21.40.png"/>
+          <p:cNvPicPr>
+            <a:picLocks noChangeAspect="1"/>
+          </p:cNvPicPr>
+          <p:nvPr/>
+        </p:nvPicPr>
+        <p:blipFill>
+          <a:blip r:embed="rId4">
+            <a:extLst>
+              <a:ext uri="{28A0092B-C50C-407E-A947-70E740481C1C}">
+                <a14:useLocalDpi xmlns:a14="http://schemas.microsoft.com/office/drawing/2010/main" val="0"/>
+              </a:ext>
+            </a:extLst>
+          </a:blip>
+          <a:stretch>
+            <a:fillRect/>
+          </a:stretch>
+        </p:blipFill>
+        <p:spPr>
+          <a:xfrm>
+            <a:off x="1897091" y="5484446"/>
+            <a:ext cx="5377728" cy="1282957"/>
           </a:xfrm>
           <a:prstGeom prst="rect">
             <a:avLst/>
@@ -5068,7 +4952,7 @@
   <p:timing>
     <p:tnLst>
       <p:par>
-        <p:cTn id="1" dur="indefinite" restart="never" nodeType="tmRoot"/>
+        <p:cTn xmlns:p14="http://schemas.microsoft.com/office/powerpoint/2010/main" id="1" dur="indefinite" restart="never" nodeType="tmRoot"/>
       </p:par>
     </p:tnLst>
   </p:timing>
@@ -5110,18 +4994,11 @@
           <a:lstStyle/>
           <a:p>
             <a:r>
-              <a:rPr lang="en-CA" sz="4000" dirty="0">
-                <a:latin typeface="Arial" panose="020B0604020202020204" pitchFamily="34" charset="0"/>
-                <a:cs typeface="Arial" panose="020B0604020202020204" pitchFamily="34" charset="0"/>
-              </a:rPr>
-              <a:t>Learning </a:t>
-            </a:r>
-            <a:r>
               <a:rPr lang="en-CA" sz="4000" dirty="0" smtClean="0">
                 <a:latin typeface="Arial" panose="020B0604020202020204" pitchFamily="34" charset="0"/>
                 <a:cs typeface="Arial" panose="020B0604020202020204" pitchFamily="34" charset="0"/>
               </a:rPr>
-              <a:t>(cont’d)</a:t>
+              <a:t>Learning (cont’d)</a:t>
             </a:r>
             <a:endParaRPr lang="en-CA" sz="4000" dirty="0"/>
           </a:p>
@@ -5140,23 +5017,23 @@
         <p:spPr/>
         <p:txBody>
           <a:bodyPr>
-            <a:normAutofit fontScale="85000" lnSpcReduction="10000"/>
+            <a:normAutofit/>
           </a:bodyPr>
           <a:lstStyle/>
           <a:p>
             <a:r>
-              <a:rPr lang="en-CA" sz="3100" dirty="0" smtClean="0">
+              <a:rPr lang="en-CA" sz="2600" dirty="0" smtClean="0">
                 <a:latin typeface="Arial" panose="020B0604020202020204" pitchFamily="34" charset="0"/>
                 <a:cs typeface="Arial" panose="020B0604020202020204" pitchFamily="34" charset="0"/>
               </a:rPr>
               <a:t> </a:t>
             </a:r>
             <a:r>
-              <a:rPr lang="en-CA" sz="3100" dirty="0">
+              <a:rPr lang="en-CA" sz="2600" dirty="0">
                 <a:latin typeface="Arial" panose="020B0604020202020204" pitchFamily="34" charset="0"/>
                 <a:cs typeface="Arial" panose="020B0604020202020204" pitchFamily="34" charset="0"/>
               </a:rPr>
-              <a:t>Exact Expectation-Maximization (EM) Algorithm</a:t>
+              <a:t>Gibbs Sampling EM</a:t>
             </a:r>
           </a:p>
           <a:p>
@@ -5165,136 +5042,23 @@
               <a:buChar char="-"/>
             </a:pPr>
             <a:r>
-              <a:rPr lang="en-CA" sz="2400" dirty="0" smtClean="0">
-                <a:latin typeface="Arial" panose="020B0604020202020204" pitchFamily="34" charset="0"/>
-                <a:cs typeface="Arial" panose="020B0604020202020204" pitchFamily="34" charset="0"/>
-              </a:rPr>
-              <a:t>Place no constraint on Q distribution</a:t>
-            </a:r>
-            <a:endParaRPr lang="en-CA" sz="2400" dirty="0">
-              <a:latin typeface="Arial" panose="020B0604020202020204" pitchFamily="34" charset="0"/>
-              <a:cs typeface="Arial" panose="020B0604020202020204" pitchFamily="34" charset="0"/>
-            </a:endParaRPr>
-          </a:p>
-          <a:p>
-            <a:pPr marL="355600" indent="-177800">
-              <a:buFont typeface="Arial" panose="020B0604020202020204" pitchFamily="34" charset="0"/>
-              <a:buChar char="-"/>
-            </a:pPr>
-            <a:r>
-              <a:rPr lang="en-CA" sz="2400" dirty="0">
-                <a:latin typeface="Arial" panose="020B0604020202020204" pitchFamily="34" charset="0"/>
-                <a:cs typeface="Arial" panose="020B0604020202020204" pitchFamily="34" charset="0"/>
-              </a:rPr>
-              <a:t>E Step: Minimize free energy with regard to Q using exact inference (variable update)</a:t>
-            </a:r>
-          </a:p>
-          <a:p>
-            <a:pPr marL="355600" indent="-177800">
-              <a:buFont typeface="Arial" panose="020B0604020202020204" pitchFamily="34" charset="0"/>
-              <a:buChar char="-"/>
-            </a:pPr>
-            <a:r>
-              <a:rPr lang="en-CA" sz="2400" dirty="0">
-                <a:latin typeface="Arial" panose="020B0604020202020204" pitchFamily="34" charset="0"/>
-                <a:cs typeface="Arial" panose="020B0604020202020204" pitchFamily="34" charset="0"/>
-              </a:rPr>
-              <a:t>M Step: Minimize free energy with regard to the model parameters (parameter update</a:t>
-            </a:r>
-            <a:r>
-              <a:rPr lang="en-CA" sz="2400" dirty="0" smtClean="0">
-                <a:latin typeface="Arial" panose="020B0604020202020204" pitchFamily="34" charset="0"/>
-                <a:cs typeface="Arial" panose="020B0604020202020204" pitchFamily="34" charset="0"/>
-              </a:rPr>
-              <a:t>)</a:t>
-            </a:r>
-          </a:p>
-          <a:p>
-            <a:pPr marL="177800" indent="0">
-              <a:buNone/>
-            </a:pPr>
-            <a:endParaRPr lang="en-CA" sz="2600" dirty="0" smtClean="0">
-              <a:latin typeface="Arial" panose="020B0604020202020204" pitchFamily="34" charset="0"/>
-              <a:cs typeface="Arial" panose="020B0604020202020204" pitchFamily="34" charset="0"/>
-            </a:endParaRPr>
-          </a:p>
-          <a:p>
-            <a:pPr marL="177800" indent="0">
-              <a:buNone/>
-            </a:pPr>
-            <a:endParaRPr lang="en-CA" sz="2000" dirty="0" smtClean="0">
-              <a:latin typeface="Arial" panose="020B0604020202020204" pitchFamily="34" charset="0"/>
-              <a:cs typeface="Arial" panose="020B0604020202020204" pitchFamily="34" charset="0"/>
-            </a:endParaRPr>
-          </a:p>
-          <a:p>
-            <a:r>
-              <a:rPr lang="en-CA" sz="3100" dirty="0" err="1" smtClean="0">
-                <a:latin typeface="Arial" panose="020B0604020202020204" pitchFamily="34" charset="0"/>
-                <a:cs typeface="Arial" panose="020B0604020202020204" pitchFamily="34" charset="0"/>
-              </a:rPr>
-              <a:t>Variational</a:t>
-            </a:r>
-            <a:r>
-              <a:rPr lang="en-CA" sz="3100" dirty="0" smtClean="0">
-                <a:latin typeface="Arial" panose="020B0604020202020204" pitchFamily="34" charset="0"/>
-                <a:cs typeface="Arial" panose="020B0604020202020204" pitchFamily="34" charset="0"/>
-              </a:rPr>
-              <a:t> EM (Mean-field)</a:t>
-            </a:r>
-          </a:p>
-          <a:p>
-            <a:pPr marL="355600" indent="-177800">
-              <a:buFont typeface="Arial" panose="020B0604020202020204" pitchFamily="34" charset="0"/>
-              <a:buChar char="-"/>
-            </a:pPr>
-            <a:endParaRPr lang="en-CA" sz="2000" dirty="0" smtClean="0">
-              <a:latin typeface="Arial" panose="020B0604020202020204" pitchFamily="34" charset="0"/>
-              <a:cs typeface="Arial" panose="020B0604020202020204" pitchFamily="34" charset="0"/>
-            </a:endParaRPr>
-          </a:p>
-          <a:p>
-            <a:pPr marL="355600" indent="-177800">
-              <a:buFont typeface="Arial" panose="020B0604020202020204" pitchFamily="34" charset="0"/>
-              <a:buChar char="-"/>
-            </a:pPr>
-            <a:r>
               <a:rPr lang="en-CA" sz="2000" dirty="0">
                 <a:latin typeface="Arial" panose="020B0604020202020204" pitchFamily="34" charset="0"/>
                 <a:cs typeface="Arial" panose="020B0604020202020204" pitchFamily="34" charset="0"/>
               </a:rPr>
-              <a:t> </a:t>
-            </a:r>
-            <a:endParaRPr lang="en-CA" sz="2000" dirty="0" smtClean="0">
+              <a:t>Similar to ICM but uses sampling to update the pixel labels in the E-</a:t>
+            </a:r>
+            <a:r>
+              <a:rPr lang="en-CA" sz="2000" dirty="0" smtClean="0">
+                <a:latin typeface="Arial" panose="020B0604020202020204" pitchFamily="34" charset="0"/>
+                <a:cs typeface="Arial" panose="020B0604020202020204" pitchFamily="34" charset="0"/>
+              </a:rPr>
+              <a:t>step</a:t>
+            </a:r>
+            <a:endParaRPr lang="en-CA" sz="2000" dirty="0">
               <a:latin typeface="Arial" panose="020B0604020202020204" pitchFamily="34" charset="0"/>
               <a:cs typeface="Arial" panose="020B0604020202020204" pitchFamily="34" charset="0"/>
             </a:endParaRPr>
-          </a:p>
-          <a:p>
-            <a:pPr marL="355600" indent="-177800">
-              <a:buFont typeface="Arial" panose="020B0604020202020204" pitchFamily="34" charset="0"/>
-              <a:buChar char="-"/>
-            </a:pPr>
-            <a:endParaRPr lang="en-CA" sz="2000" dirty="0" smtClean="0">
-              <a:latin typeface="Arial" panose="020B0604020202020204" pitchFamily="34" charset="0"/>
-              <a:cs typeface="Arial" panose="020B0604020202020204" pitchFamily="34" charset="0"/>
-            </a:endParaRPr>
-          </a:p>
-          <a:p>
-            <a:pPr marL="355600" indent="-177800">
-              <a:buFont typeface="Arial" panose="020B0604020202020204" pitchFamily="34" charset="0"/>
-              <a:buChar char="-"/>
-            </a:pPr>
-            <a:r>
-              <a:rPr lang="en-CA" sz="2400" dirty="0" smtClean="0">
-                <a:latin typeface="Arial" panose="020B0604020202020204" pitchFamily="34" charset="0"/>
-                <a:cs typeface="Arial" panose="020B0604020202020204" pitchFamily="34" charset="0"/>
-              </a:rPr>
-              <a:t>Assume the Q distribution in the EM algorithm can be fully factorized</a:t>
-            </a:r>
-          </a:p>
-          <a:p>
-            <a:endParaRPr lang="en-CA" dirty="0"/>
           </a:p>
         </p:txBody>
       </p:sp>
@@ -5321,39 +5085,10 @@
           </a:p>
         </p:txBody>
       </p:sp>
-      <p:pic>
-        <p:nvPicPr>
-          <p:cNvPr id="6" name="Picture 5" descr="Screen Shot 2015-03-30 at 13.50.50.png"/>
-          <p:cNvPicPr>
-            <a:picLocks noChangeAspect="1"/>
-          </p:cNvPicPr>
-          <p:nvPr/>
-        </p:nvPicPr>
-        <p:blipFill rotWithShape="1">
-          <a:blip r:embed="rId3">
-            <a:extLst>
-              <a:ext uri="{28A0092B-C50C-407E-A947-70E740481C1C}">
-                <a14:useLocalDpi xmlns:a14="http://schemas.microsoft.com/office/drawing/2010/main" val="0"/>
-              </a:ext>
-            </a:extLst>
-          </a:blip>
-          <a:srcRect r="8385"/>
-          <a:stretch/>
-        </p:blipFill>
-        <p:spPr>
-          <a:xfrm>
-            <a:off x="1431379" y="4699511"/>
-            <a:ext cx="1803434" cy="762000"/>
-          </a:xfrm>
-          <a:prstGeom prst="rect">
-            <a:avLst/>
-          </a:prstGeom>
-        </p:spPr>
-      </p:pic>
     </p:spTree>
     <p:extLst>
       <p:ext uri="{BB962C8B-B14F-4D97-AF65-F5344CB8AC3E}">
-        <p14:creationId xmlns:p14="http://schemas.microsoft.com/office/powerpoint/2010/main" val="3809247449"/>
+        <p14:creationId xmlns:p14="http://schemas.microsoft.com/office/powerpoint/2010/main" val="3485387921"/>
       </p:ext>
     </p:extLst>
   </p:cSld>
@@ -5363,7 +5098,7 @@
   <p:timing>
     <p:tnLst>
       <p:par>
-        <p:cTn id="1" dur="indefinite" restart="never" nodeType="tmRoot"/>
+        <p:cTn xmlns:p14="http://schemas.microsoft.com/office/powerpoint/2010/main" id="1" dur="indefinite" restart="never" nodeType="tmRoot"/>
       </p:par>
     </p:tnLst>
   </p:timing>
@@ -5409,152 +5144,6 @@
                 <a:latin typeface="Arial" panose="020B0604020202020204" pitchFamily="34" charset="0"/>
                 <a:cs typeface="Arial" panose="020B0604020202020204" pitchFamily="34" charset="0"/>
               </a:rPr>
-              <a:t>Learning (cont’d)</a:t>
-            </a:r>
-            <a:endParaRPr lang="en-CA" sz="4000" dirty="0"/>
-          </a:p>
-        </p:txBody>
-      </p:sp>
-      <p:sp>
-        <p:nvSpPr>
-          <p:cNvPr id="3" name="Content Placeholder 2"/>
-          <p:cNvSpPr>
-            <a:spLocks noGrp="1"/>
-          </p:cNvSpPr>
-          <p:nvPr>
-            <p:ph idx="1"/>
-          </p:nvPr>
-        </p:nvSpPr>
-        <p:spPr/>
-        <p:txBody>
-          <a:bodyPr>
-            <a:normAutofit/>
-          </a:bodyPr>
-          <a:lstStyle/>
-          <a:p>
-            <a:r>
-              <a:rPr lang="en-CA" sz="2600" dirty="0" smtClean="0">
-                <a:latin typeface="Arial" panose="020B0604020202020204" pitchFamily="34" charset="0"/>
-                <a:cs typeface="Arial" panose="020B0604020202020204" pitchFamily="34" charset="0"/>
-              </a:rPr>
-              <a:t> </a:t>
-            </a:r>
-            <a:r>
-              <a:rPr lang="en-CA" sz="2600" dirty="0">
-                <a:latin typeface="Arial" panose="020B0604020202020204" pitchFamily="34" charset="0"/>
-                <a:cs typeface="Arial" panose="020B0604020202020204" pitchFamily="34" charset="0"/>
-              </a:rPr>
-              <a:t>Gibbs Sampling EM</a:t>
-            </a:r>
-          </a:p>
-          <a:p>
-            <a:pPr marL="355600" indent="-177800">
-              <a:buFont typeface="Arial" panose="020B0604020202020204" pitchFamily="34" charset="0"/>
-              <a:buChar char="-"/>
-            </a:pPr>
-            <a:r>
-              <a:rPr lang="en-CA" sz="2000" dirty="0">
-                <a:latin typeface="Arial" panose="020B0604020202020204" pitchFamily="34" charset="0"/>
-                <a:cs typeface="Arial" panose="020B0604020202020204" pitchFamily="34" charset="0"/>
-              </a:rPr>
-              <a:t>Similar to ICM but uses sampling to update the pixel labels in the E-</a:t>
-            </a:r>
-            <a:r>
-              <a:rPr lang="en-CA" sz="2000" dirty="0" smtClean="0">
-                <a:latin typeface="Arial" panose="020B0604020202020204" pitchFamily="34" charset="0"/>
-                <a:cs typeface="Arial" panose="020B0604020202020204" pitchFamily="34" charset="0"/>
-              </a:rPr>
-              <a:t>step</a:t>
-            </a:r>
-            <a:endParaRPr lang="en-CA" sz="2000" dirty="0">
-              <a:latin typeface="Arial" panose="020B0604020202020204" pitchFamily="34" charset="0"/>
-              <a:cs typeface="Arial" panose="020B0604020202020204" pitchFamily="34" charset="0"/>
-            </a:endParaRPr>
-          </a:p>
-        </p:txBody>
-      </p:sp>
-      <p:sp>
-        <p:nvSpPr>
-          <p:cNvPr id="4" name="Slide Number Placeholder 3"/>
-          <p:cNvSpPr>
-            <a:spLocks noGrp="1"/>
-          </p:cNvSpPr>
-          <p:nvPr>
-            <p:ph type="sldNum" sz="quarter" idx="12"/>
-          </p:nvPr>
-        </p:nvSpPr>
-        <p:spPr/>
-        <p:txBody>
-          <a:bodyPr/>
-          <a:lstStyle/>
-          <a:p>
-            <a:fld id="{15CE126A-8187-4B0E-8F00-37DE13D585D0}" type="slidenum">
-              <a:rPr lang="en-CA" smtClean="0"/>
-              <a:t>7</a:t>
-            </a:fld>
-            <a:endParaRPr lang="en-CA"/>
-          </a:p>
-        </p:txBody>
-      </p:sp>
-    </p:spTree>
-    <p:extLst>
-      <p:ext uri="{BB962C8B-B14F-4D97-AF65-F5344CB8AC3E}">
-        <p14:creationId xmlns:p14="http://schemas.microsoft.com/office/powerpoint/2010/main" val="3485387921"/>
-      </p:ext>
-    </p:extLst>
-  </p:cSld>
-  <p:clrMapOvr>
-    <a:masterClrMapping/>
-  </p:clrMapOvr>
-  <p:timing>
-    <p:tnLst>
-      <p:par>
-        <p:cTn id="1" dur="indefinite" restart="never" nodeType="tmRoot"/>
-      </p:par>
-    </p:tnLst>
-  </p:timing>
-</p:sld>
-</file>
-
-<file path=ppt/slides/slide8.xml><?xml version="1.0" encoding="utf-8"?>
-<p:sld xmlns:a="http://schemas.openxmlformats.org/drawingml/2006/main" xmlns:r="http://schemas.openxmlformats.org/officeDocument/2006/relationships" xmlns:p="http://schemas.openxmlformats.org/presentationml/2006/main">
-  <p:cSld>
-    <p:spTree>
-      <p:nvGrpSpPr>
-        <p:cNvPr id="1" name=""/>
-        <p:cNvGrpSpPr/>
-        <p:nvPr/>
-      </p:nvGrpSpPr>
-      <p:grpSpPr>
-        <a:xfrm>
-          <a:off x="0" y="0"/>
-          <a:ext cx="0" cy="0"/>
-          <a:chOff x="0" y="0"/>
-          <a:chExt cx="0" cy="0"/>
-        </a:xfrm>
-      </p:grpSpPr>
-      <p:sp>
-        <p:nvSpPr>
-          <p:cNvPr id="2" name="Title 1"/>
-          <p:cNvSpPr>
-            <a:spLocks noGrp="1"/>
-          </p:cNvSpPr>
-          <p:nvPr>
-            <p:ph type="title"/>
-          </p:nvPr>
-        </p:nvSpPr>
-        <p:spPr/>
-        <p:txBody>
-          <a:bodyPr>
-            <a:normAutofit/>
-          </a:bodyPr>
-          <a:lstStyle/>
-          <a:p>
-            <a:r>
-              <a:rPr lang="en-CA" sz="4000" dirty="0" smtClean="0">
-                <a:latin typeface="Arial" panose="020B0604020202020204" pitchFamily="34" charset="0"/>
-                <a:cs typeface="Arial" panose="020B0604020202020204" pitchFamily="34" charset="0"/>
-              </a:rPr>
               <a:t>Current Progress</a:t>
             </a:r>
             <a:endParaRPr lang="en-CA" sz="4000" dirty="0">
@@ -5642,7 +5231,7 @@
           <a:p>
             <a:fld id="{15CE126A-8187-4B0E-8F00-37DE13D585D0}" type="slidenum">
               <a:rPr lang="en-CA" smtClean="0"/>
-              <a:t>8</a:t>
+              <a:t>7</a:t>
             </a:fld>
             <a:endParaRPr lang="en-CA"/>
           </a:p>
@@ -5781,7 +5370,7 @@
   <p:timing>
     <p:tnLst>
       <p:par>
-        <p:cTn id="1" dur="indefinite" restart="never" nodeType="tmRoot"/>
+        <p:cTn xmlns:p14="http://schemas.microsoft.com/office/powerpoint/2010/main" id="1" dur="indefinite" restart="never" nodeType="tmRoot"/>
       </p:par>
     </p:tnLst>
   </p:timing>
@@ -6043,7 +5632,7 @@
   <a:extraClrSchemeLst/>
   <a:extLst>
     <a:ext uri="{05A4C25C-085E-4340-85A3-A5531E510DB2}">
-      <thm15:themeFamily xmlns:thm15="http://schemas.microsoft.com/office/thememl/2012/main" name="Office Theme" id="{62F939B6-93AF-4DB8-9C6B-D6C7DFDC589F}" vid="{4A3C46E8-61CC-4603-A589-7422A47A8E4A}"/>
+      <thm15:themeFamily xmlns:thm15="http://schemas.microsoft.com/office/thememl/2012/main" xmlns="" name="Office Theme" id="{62F939B6-93AF-4DB8-9C6B-D6C7DFDC589F}" vid="{4A3C46E8-61CC-4603-A589-7422A47A8E4A}"/>
     </a:ext>
   </a:extLst>
 </a:theme>
@@ -6304,7 +5893,7 @@
   <a:extraClrSchemeLst/>
   <a:extLst>
     <a:ext uri="{05A4C25C-085E-4340-85A3-A5531E510DB2}">
-      <thm15:themeFamily xmlns:thm15="http://schemas.microsoft.com/office/thememl/2012/main" name="Office Theme" id="{62F939B6-93AF-4DB8-9C6B-D6C7DFDC589F}" vid="{4A3C46E8-61CC-4603-A589-7422A47A8E4A}"/>
+      <thm15:themeFamily xmlns:thm15="http://schemas.microsoft.com/office/thememl/2012/main" xmlns="" name="Office Theme" id="{62F939B6-93AF-4DB8-9C6B-D6C7DFDC589F}" vid="{4A3C46E8-61CC-4603-A589-7422A47A8E4A}"/>
     </a:ext>
   </a:extLst>
 </a:theme>

--- a/presentation/presentation_v3.pptx
+++ b/presentation/presentation_v3.pptx
@@ -5185,25 +5185,67 @@
           </a:p>
           <a:p>
             <a:r>
+              <a:rPr lang="en-CA" sz="2600" dirty="0" smtClean="0">
+                <a:latin typeface="Arial" panose="020B0604020202020204" pitchFamily="34" charset="0"/>
+                <a:cs typeface="Arial" panose="020B0604020202020204" pitchFamily="34" charset="0"/>
+              </a:rPr>
+              <a:t>Working </a:t>
+            </a:r>
+            <a:r>
               <a:rPr lang="en-CA" sz="2600" dirty="0">
                 <a:latin typeface="Arial" panose="020B0604020202020204" pitchFamily="34" charset="0"/>
                 <a:cs typeface="Arial" panose="020B0604020202020204" pitchFamily="34" charset="0"/>
               </a:rPr>
-              <a:t>Working on </a:t>
-            </a:r>
-            <a:r>
-              <a:rPr lang="en-CA" sz="2600" dirty="0" err="1">
+              <a:t>on </a:t>
+            </a:r>
+            <a:endParaRPr lang="en-CA" sz="2600" dirty="0" smtClean="0">
+              <a:latin typeface="Arial" panose="020B0604020202020204" pitchFamily="34" charset="0"/>
+              <a:cs typeface="Arial" panose="020B0604020202020204" pitchFamily="34" charset="0"/>
+            </a:endParaRPr>
+          </a:p>
+          <a:p>
+            <a:pPr marL="0" indent="0">
+              <a:buNone/>
+            </a:pPr>
+            <a:r>
+              <a:rPr lang="en-CA" sz="2600" dirty="0" smtClean="0">
+                <a:latin typeface="Arial" panose="020B0604020202020204" pitchFamily="34" charset="0"/>
+                <a:cs typeface="Arial" panose="020B0604020202020204" pitchFamily="34" charset="0"/>
+              </a:rPr>
+              <a:t>   - Gibbs Sampling EM</a:t>
+            </a:r>
+          </a:p>
+          <a:p>
+            <a:pPr marL="0" indent="0">
+              <a:buNone/>
+            </a:pPr>
+            <a:r>
+              <a:rPr lang="en-CA" sz="2600" dirty="0" smtClean="0">
+                <a:latin typeface="Arial" panose="020B0604020202020204" pitchFamily="34" charset="0"/>
+                <a:cs typeface="Arial" panose="020B0604020202020204" pitchFamily="34" charset="0"/>
+              </a:rPr>
+              <a:t>   - </a:t>
+            </a:r>
+            <a:r>
+              <a:rPr lang="en-CA" sz="2600" dirty="0" err="1" smtClean="0">
                 <a:latin typeface="Arial" panose="020B0604020202020204" pitchFamily="34" charset="0"/>
                 <a:cs typeface="Arial" panose="020B0604020202020204" pitchFamily="34" charset="0"/>
               </a:rPr>
               <a:t>Variational</a:t>
             </a:r>
             <a:r>
+              <a:rPr lang="en-CA" sz="2600" dirty="0" smtClean="0">
+                <a:latin typeface="Arial" panose="020B0604020202020204" pitchFamily="34" charset="0"/>
+                <a:cs typeface="Arial" panose="020B0604020202020204" pitchFamily="34" charset="0"/>
+              </a:rPr>
+              <a:t> </a:t>
+            </a:r>
+            <a:r>
               <a:rPr lang="en-CA" sz="2600" dirty="0">
                 <a:latin typeface="Arial" panose="020B0604020202020204" pitchFamily="34" charset="0"/>
                 <a:cs typeface="Arial" panose="020B0604020202020204" pitchFamily="34" charset="0"/>
               </a:rPr>
-              <a:t> EM</a:t>
+              <a:t>EM</a:t>
             </a:r>
           </a:p>
           <a:p>

--- a/presentation/presentation_v3.pptx
+++ b/presentation/presentation_v3.pptx
@@ -4706,7 +4706,12 @@
             <p:ph type="title"/>
           </p:nvPr>
         </p:nvSpPr>
-        <p:spPr/>
+        <p:spPr>
+          <a:xfrm>
+            <a:off x="838200" y="0"/>
+            <a:ext cx="10515600" cy="1325563"/>
+          </a:xfrm>
+        </p:spPr>
         <p:txBody>
           <a:bodyPr>
             <a:normAutofit/>
@@ -4737,7 +4742,12 @@
             <p:ph idx="1"/>
           </p:nvPr>
         </p:nvSpPr>
-        <p:spPr/>
+        <p:spPr>
+          <a:xfrm>
+            <a:off x="838200" y="1238713"/>
+            <a:ext cx="10515600" cy="4938250"/>
+          </a:xfrm>
+        </p:spPr>
         <p:txBody>
           <a:bodyPr>
             <a:normAutofit/>
@@ -4745,7 +4755,16 @@
           <a:lstStyle/>
           <a:p>
             <a:r>
-              <a:rPr lang="en-CA" sz="2600" dirty="0">
+              <a:rPr lang="en-CA" sz="2600" dirty="0" smtClean="0">
+                <a:latin typeface="Arial" panose="020B0604020202020204" pitchFamily="34" charset="0"/>
+                <a:cs typeface="Arial" panose="020B0604020202020204" pitchFamily="34" charset="0"/>
+              </a:rPr>
+              <a:t>Unobserved variables split into : </a:t>
+            </a:r>
+          </a:p>
+          <a:p>
+            <a:r>
+              <a:rPr lang="en-CA" sz="2600" dirty="0" smtClean="0">
                 <a:latin typeface="Arial" panose="020B0604020202020204" pitchFamily="34" charset="0"/>
                 <a:cs typeface="Arial" panose="020B0604020202020204" pitchFamily="34" charset="0"/>
               </a:rPr>
@@ -4931,8 +4950,38 @@
         </p:blipFill>
         <p:spPr>
           <a:xfrm>
-            <a:off x="1897091" y="5484446"/>
+            <a:off x="1897091" y="5594206"/>
             <a:ext cx="5377728" cy="1282957"/>
+          </a:xfrm>
+          <a:prstGeom prst="rect">
+            <a:avLst/>
+          </a:prstGeom>
+        </p:spPr>
+      </p:pic>
+      <p:pic>
+        <p:nvPicPr>
+          <p:cNvPr id="10" name="Picture 9" descr="Screen Shot 2015-03-30 at 23.42.16.png"/>
+          <p:cNvPicPr>
+            <a:picLocks noChangeAspect="1"/>
+          </p:cNvPicPr>
+          <p:nvPr/>
+        </p:nvPicPr>
+        <p:blipFill>
+          <a:blip r:embed="rId5">
+            <a:extLst>
+              <a:ext uri="{28A0092B-C50C-407E-A947-70E740481C1C}">
+                <a14:useLocalDpi xmlns:a14="http://schemas.microsoft.com/office/drawing/2010/main" val="0"/>
+              </a:ext>
+            </a:extLst>
+          </a:blip>
+          <a:stretch>
+            <a:fillRect/>
+          </a:stretch>
+        </p:blipFill>
+        <p:spPr>
+          <a:xfrm>
+            <a:off x="6268921" y="1134381"/>
+            <a:ext cx="914400" cy="647700"/>
           </a:xfrm>
           <a:prstGeom prst="rect">
             <a:avLst/>
